--- a/packages/Dependencies.pptx
+++ b/packages/Dependencies.pptx
@@ -104,6 +104,11 @@
       </a:defRPr>
     </a:lvl9pPr>
   </p:defaultTextStyle>
+  <p:extLst>
+    <p:ext uri="{EFAFB233-063F-42B5-8137-9DF3F51BA10A}">
+      <p15:sldGuideLst xmlns:p15="http://schemas.microsoft.com/office/powerpoint/2012/main"/>
+    </p:ext>
+  </p:extLst>
 </p:presentation>
 </file>
 
@@ -3344,6 +3349,64 @@
       </p:grpSpPr>
       <p:sp>
         <p:nvSpPr>
+          <p:cNvPr id="99" name="Rectangle 98">
+            <a:extLst>
+              <a:ext uri="{FF2B5EF4-FFF2-40B4-BE49-F238E27FC236}">
+                <a16:creationId xmlns:a16="http://schemas.microsoft.com/office/drawing/2014/main" id="{908EFC77-C0BC-47FA-AC35-AFBCE405B08C}"/>
+              </a:ext>
+            </a:extLst>
+          </p:cNvPr>
+          <p:cNvSpPr/>
+          <p:nvPr/>
+        </p:nvSpPr>
+        <p:spPr>
+          <a:xfrm>
+            <a:off x="93306" y="143072"/>
+            <a:ext cx="12030270" cy="4513298"/>
+          </a:xfrm>
+          <a:prstGeom prst="rect">
+            <a:avLst/>
+          </a:prstGeom>
+          <a:solidFill>
+            <a:schemeClr val="accent6">
+              <a:lumMod val="20000"/>
+              <a:lumOff val="80000"/>
+            </a:schemeClr>
+          </a:solidFill>
+          <a:ln w="38100">
+            <a:solidFill>
+              <a:schemeClr val="tx1"/>
+            </a:solidFill>
+            <a:prstDash val="sysDash"/>
+          </a:ln>
+        </p:spPr>
+        <p:style>
+          <a:lnRef idx="2">
+            <a:schemeClr val="dk1">
+              <a:shade val="50000"/>
+            </a:schemeClr>
+          </a:lnRef>
+          <a:fillRef idx="1">
+            <a:schemeClr val="dk1"/>
+          </a:fillRef>
+          <a:effectRef idx="0">
+            <a:schemeClr val="dk1"/>
+          </a:effectRef>
+          <a:fontRef idx="minor">
+            <a:schemeClr val="lt1"/>
+          </a:fontRef>
+        </p:style>
+        <p:txBody>
+          <a:bodyPr rtlCol="0" anchor="ctr"/>
+          <a:lstStyle/>
+          <a:p>
+            <a:pPr algn="ctr"/>
+            <a:endParaRPr lang="zh-CN" altLang="en-US" dirty="0"/>
+          </a:p>
+        </p:txBody>
+      </p:sp>
+      <p:sp>
+        <p:nvSpPr>
           <p:cNvPr id="4" name="Rectangle 3">
             <a:extLst>
               <a:ext uri="{FF2B5EF4-FFF2-40B4-BE49-F238E27FC236}">
@@ -3556,7 +3619,7 @@
         </p:nvSpPr>
         <p:spPr>
           <a:xfrm>
-            <a:off x="205275" y="3228369"/>
+            <a:off x="1735495" y="3234581"/>
             <a:ext cx="2531707" cy="429209"/>
           </a:xfrm>
           <a:prstGeom prst="rect">
@@ -3782,8 +3845,8 @@
         </p:nvCxnSpPr>
         <p:spPr>
           <a:xfrm flipV="1">
-            <a:off x="1471129" y="2799172"/>
-            <a:ext cx="1530221" cy="429197"/>
+            <a:off x="3001349" y="2799172"/>
+            <a:ext cx="1" cy="435409"/>
           </a:xfrm>
           <a:prstGeom prst="straightConnector1">
             <a:avLst/>
@@ -3821,7 +3884,7 @@
         </p:nvSpPr>
         <p:spPr>
           <a:xfrm>
-            <a:off x="205274" y="4086775"/>
+            <a:off x="205274" y="4951392"/>
             <a:ext cx="2531707" cy="429209"/>
           </a:xfrm>
           <a:prstGeom prst="rect">
@@ -3875,8 +3938,8 @@
         </p:nvCxnSpPr>
         <p:spPr>
           <a:xfrm flipV="1">
-            <a:off x="1471128" y="3657578"/>
-            <a:ext cx="1" cy="429197"/>
+            <a:off x="1471128" y="3663790"/>
+            <a:ext cx="1530221" cy="1287602"/>
           </a:xfrm>
           <a:prstGeom prst="straightConnector1">
             <a:avLst/>
@@ -3914,7 +3977,7 @@
         </p:nvSpPr>
         <p:spPr>
           <a:xfrm>
-            <a:off x="3309258" y="3228369"/>
+            <a:off x="3309255" y="4086775"/>
             <a:ext cx="2531707" cy="429209"/>
           </a:xfrm>
           <a:prstGeom prst="rect">
@@ -3950,49 +4013,6 @@
           </a:p>
         </p:txBody>
       </p:sp>
-      <p:cxnSp>
-        <p:nvCxnSpPr>
-          <p:cNvPr id="40" name="Straight Arrow Connector 39">
-            <a:extLst>
-              <a:ext uri="{FF2B5EF4-FFF2-40B4-BE49-F238E27FC236}">
-                <a16:creationId xmlns:a16="http://schemas.microsoft.com/office/drawing/2014/main" id="{AF508EF8-4C3C-430E-AE4B-5E9697A166E0}"/>
-              </a:ext>
-            </a:extLst>
-          </p:cNvPr>
-          <p:cNvCxnSpPr>
-            <a:cxnSpLocks/>
-            <a:stCxn id="39" idx="0"/>
-            <a:endCxn id="7" idx="2"/>
-          </p:cNvCxnSpPr>
-          <p:nvPr/>
-        </p:nvCxnSpPr>
-        <p:spPr>
-          <a:xfrm flipH="1" flipV="1">
-            <a:off x="3001350" y="2799172"/>
-            <a:ext cx="1573762" cy="429197"/>
-          </a:xfrm>
-          <a:prstGeom prst="straightConnector1">
-            <a:avLst/>
-          </a:prstGeom>
-          <a:ln>
-            <a:tailEnd type="triangle"/>
-          </a:ln>
-        </p:spPr>
-        <p:style>
-          <a:lnRef idx="3">
-            <a:schemeClr val="dk1"/>
-          </a:lnRef>
-          <a:fillRef idx="0">
-            <a:schemeClr val="dk1"/>
-          </a:fillRef>
-          <a:effectRef idx="2">
-            <a:schemeClr val="dk1"/>
-          </a:effectRef>
-          <a:fontRef idx="minor">
-            <a:schemeClr val="tx1"/>
-          </a:fontRef>
-        </p:style>
-      </p:cxnSp>
       <p:sp>
         <p:nvSpPr>
           <p:cNvPr id="44" name="Rectangle 43">
@@ -4007,7 +4027,7 @@
         </p:nvSpPr>
         <p:spPr>
           <a:xfrm>
-            <a:off x="3309258" y="4086764"/>
+            <a:off x="3309255" y="4951393"/>
             <a:ext cx="2531707" cy="429209"/>
           </a:xfrm>
           <a:prstGeom prst="rect">
@@ -4060,9 +4080,9 @@
           <p:nvPr/>
         </p:nvCxnSpPr>
         <p:spPr>
-          <a:xfrm flipH="1">
-            <a:off x="2736981" y="4301369"/>
-            <a:ext cx="572277" cy="11"/>
+          <a:xfrm flipH="1" flipV="1">
+            <a:off x="2736981" y="5165997"/>
+            <a:ext cx="572274" cy="1"/>
           </a:xfrm>
           <a:prstGeom prst="straightConnector1">
             <a:avLst/>
@@ -4100,7 +4120,7 @@
         </p:nvSpPr>
         <p:spPr>
           <a:xfrm>
-            <a:off x="6413241" y="3228369"/>
+            <a:off x="6413241" y="3228368"/>
             <a:ext cx="2531707" cy="429209"/>
           </a:xfrm>
           <a:prstGeom prst="rect">
@@ -4154,8 +4174,8 @@
         </p:nvCxnSpPr>
         <p:spPr>
           <a:xfrm flipH="1">
-            <a:off x="5840965" y="3442974"/>
-            <a:ext cx="572276" cy="0"/>
+            <a:off x="5840962" y="3442973"/>
+            <a:ext cx="572279" cy="858407"/>
           </a:xfrm>
           <a:prstGeom prst="straightConnector1">
             <a:avLst/>
@@ -4197,8 +4217,8 @@
         </p:nvCxnSpPr>
         <p:spPr>
           <a:xfrm flipV="1">
-            <a:off x="4575112" y="3657578"/>
-            <a:ext cx="0" cy="429186"/>
+            <a:off x="4575109" y="4515984"/>
+            <a:ext cx="0" cy="435409"/>
           </a:xfrm>
           <a:prstGeom prst="straightConnector1">
             <a:avLst/>
@@ -4291,7 +4311,7 @@
         <p:spPr>
           <a:xfrm>
             <a:off x="7679094" y="2805370"/>
-            <a:ext cx="1" cy="422999"/>
+            <a:ext cx="1" cy="422998"/>
           </a:xfrm>
           <a:prstGeom prst="straightConnector1">
             <a:avLst/>
@@ -4329,7 +4349,7 @@
         </p:nvSpPr>
         <p:spPr>
           <a:xfrm>
-            <a:off x="6413239" y="4092974"/>
+            <a:off x="6413241" y="4957578"/>
             <a:ext cx="2531707" cy="429209"/>
           </a:xfrm>
           <a:prstGeom prst="rect">
@@ -4383,8 +4403,8 @@
         </p:nvCxnSpPr>
         <p:spPr>
           <a:xfrm flipH="1" flipV="1">
-            <a:off x="5840965" y="4301369"/>
-            <a:ext cx="572274" cy="6210"/>
+            <a:off x="5840962" y="5165998"/>
+            <a:ext cx="572279" cy="6185"/>
           </a:xfrm>
           <a:prstGeom prst="straightConnector1">
             <a:avLst/>
@@ -4426,8 +4446,8 @@
         </p:nvCxnSpPr>
         <p:spPr>
           <a:xfrm flipV="1">
-            <a:off x="7679093" y="3657578"/>
-            <a:ext cx="2" cy="435396"/>
+            <a:off x="7679095" y="3657577"/>
+            <a:ext cx="0" cy="1300001"/>
           </a:xfrm>
           <a:prstGeom prst="straightConnector1">
             <a:avLst/>
@@ -4465,7 +4485,7 @@
         </p:nvSpPr>
         <p:spPr>
           <a:xfrm>
-            <a:off x="6413241" y="4957579"/>
+            <a:off x="6413239" y="5822196"/>
             <a:ext cx="2531707" cy="429209"/>
           </a:xfrm>
           <a:prstGeom prst="rect">
@@ -4518,9 +4538,9 @@
           <p:nvPr/>
         </p:nvCxnSpPr>
         <p:spPr>
-          <a:xfrm flipH="1" flipV="1">
-            <a:off x="7679093" y="4522183"/>
-            <a:ext cx="2" cy="435396"/>
+          <a:xfrm flipV="1">
+            <a:off x="7679093" y="5386787"/>
+            <a:ext cx="2" cy="435409"/>
           </a:xfrm>
           <a:prstGeom prst="straightConnector1">
             <a:avLst/>
@@ -4608,7 +4628,7 @@
         </p:nvSpPr>
         <p:spPr>
           <a:xfrm>
-            <a:off x="9467461" y="4086764"/>
+            <a:off x="9467462" y="4951392"/>
             <a:ext cx="2531707" cy="429209"/>
           </a:xfrm>
           <a:prstGeom prst="rect">
@@ -4663,7 +4683,7 @@
         <p:spPr>
           <a:xfrm flipH="1">
             <a:off x="8944948" y="3442973"/>
-            <a:ext cx="522514" cy="1"/>
+            <a:ext cx="522514" cy="0"/>
           </a:xfrm>
           <a:prstGeom prst="straightConnector1">
             <a:avLst/>
@@ -4705,8 +4725,8 @@
         </p:nvCxnSpPr>
         <p:spPr>
           <a:xfrm flipV="1">
-            <a:off x="10733315" y="3657577"/>
-            <a:ext cx="1" cy="429187"/>
+            <a:off x="10733316" y="3657577"/>
+            <a:ext cx="0" cy="1293815"/>
           </a:xfrm>
           <a:prstGeom prst="straightConnector1">
             <a:avLst/>
@@ -4748,8 +4768,8 @@
         </p:nvCxnSpPr>
         <p:spPr>
           <a:xfrm flipH="1">
-            <a:off x="8944946" y="4301369"/>
-            <a:ext cx="522515" cy="6210"/>
+            <a:off x="8944948" y="5165997"/>
+            <a:ext cx="522514" cy="6186"/>
           </a:xfrm>
           <a:prstGeom prst="straightConnector1">
             <a:avLst/>
@@ -4773,6 +4793,134 @@
           </a:fontRef>
         </p:style>
       </p:cxnSp>
+      <p:cxnSp>
+        <p:nvCxnSpPr>
+          <p:cNvPr id="66" name="Connector: Curved 65">
+            <a:extLst>
+              <a:ext uri="{FF2B5EF4-FFF2-40B4-BE49-F238E27FC236}">
+                <a16:creationId xmlns:a16="http://schemas.microsoft.com/office/drawing/2014/main" id="{70E4AC5C-403A-4935-B564-B379626B758D}"/>
+              </a:ext>
+            </a:extLst>
+          </p:cNvPr>
+          <p:cNvCxnSpPr>
+            <a:stCxn id="39" idx="0"/>
+            <a:endCxn id="7" idx="3"/>
+          </p:cNvCxnSpPr>
+          <p:nvPr/>
+        </p:nvCxnSpPr>
+        <p:spPr>
+          <a:xfrm rot="16200000" flipV="1">
+            <a:off x="3670053" y="3181719"/>
+            <a:ext cx="1502207" cy="307906"/>
+          </a:xfrm>
+          <a:prstGeom prst="curvedConnector2">
+            <a:avLst/>
+          </a:prstGeom>
+          <a:ln>
+            <a:tailEnd type="triangle"/>
+          </a:ln>
+        </p:spPr>
+        <p:style>
+          <a:lnRef idx="3">
+            <a:schemeClr val="dk1"/>
+          </a:lnRef>
+          <a:fillRef idx="0">
+            <a:schemeClr val="dk1"/>
+          </a:fillRef>
+          <a:effectRef idx="2">
+            <a:schemeClr val="dk1"/>
+          </a:effectRef>
+          <a:fontRef idx="minor">
+            <a:schemeClr val="tx1"/>
+          </a:fontRef>
+        </p:style>
+      </p:cxnSp>
+      <p:cxnSp>
+        <p:nvCxnSpPr>
+          <p:cNvPr id="68" name="Straight Arrow Connector 67">
+            <a:extLst>
+              <a:ext uri="{FF2B5EF4-FFF2-40B4-BE49-F238E27FC236}">
+                <a16:creationId xmlns:a16="http://schemas.microsoft.com/office/drawing/2014/main" id="{100130B8-D807-4BE4-ADBF-8D1334CE21E9}"/>
+              </a:ext>
+            </a:extLst>
+          </p:cNvPr>
+          <p:cNvCxnSpPr>
+            <a:stCxn id="55" idx="1"/>
+            <a:endCxn id="8" idx="3"/>
+          </p:cNvCxnSpPr>
+          <p:nvPr/>
+        </p:nvCxnSpPr>
+        <p:spPr>
+          <a:xfrm flipH="1">
+            <a:off x="4267202" y="3442973"/>
+            <a:ext cx="2146039" cy="6213"/>
+          </a:xfrm>
+          <a:prstGeom prst="straightConnector1">
+            <a:avLst/>
+          </a:prstGeom>
+          <a:ln>
+            <a:tailEnd type="triangle"/>
+          </a:ln>
+        </p:spPr>
+        <p:style>
+          <a:lnRef idx="3">
+            <a:schemeClr val="dk1"/>
+          </a:lnRef>
+          <a:fillRef idx="0">
+            <a:schemeClr val="dk1"/>
+          </a:fillRef>
+          <a:effectRef idx="2">
+            <a:schemeClr val="dk1"/>
+          </a:effectRef>
+          <a:fontRef idx="minor">
+            <a:schemeClr val="tx1"/>
+          </a:fontRef>
+        </p:style>
+      </p:cxnSp>
+      <p:sp>
+        <p:nvSpPr>
+          <p:cNvPr id="100" name="TextBox 99">
+            <a:extLst>
+              <a:ext uri="{FF2B5EF4-FFF2-40B4-BE49-F238E27FC236}">
+                <a16:creationId xmlns:a16="http://schemas.microsoft.com/office/drawing/2014/main" id="{3E82AF14-D04D-41F6-BCEE-6D9BAA6A08F2}"/>
+              </a:ext>
+            </a:extLst>
+          </p:cNvPr>
+          <p:cNvSpPr txBox="1"/>
+          <p:nvPr/>
+        </p:nvSpPr>
+        <p:spPr>
+          <a:xfrm>
+            <a:off x="5016306" y="190221"/>
+            <a:ext cx="7082388" cy="523220"/>
+          </a:xfrm>
+          <a:prstGeom prst="rect">
+            <a:avLst/>
+          </a:prstGeom>
+          <a:noFill/>
+        </p:spPr>
+        <p:txBody>
+          <a:bodyPr wrap="none" rtlCol="0">
+            <a:spAutoFit/>
+          </a:bodyPr>
+          <a:lstStyle/>
+          <a:p>
+            <a:r>
+              <a:rPr lang="en-US" altLang="zh-CN" sz="2800" dirty="0"/>
+              <a:t>Files you need for a typical </a:t>
+            </a:r>
+            <a:r>
+              <a:rPr lang="en-US" altLang="zh-CN" sz="2800" dirty="0" err="1"/>
+              <a:t>GacUI</a:t>
+            </a:r>
+            <a:r>
+              <a:rPr lang="en-US" altLang="zh-CN" sz="2800" dirty="0"/>
+              <a:t> application</a:t>
+            </a:r>
+            <a:endParaRPr lang="zh-CN" altLang="en-US" sz="2800" dirty="0"/>
+          </a:p>
+        </p:txBody>
+      </p:sp>
     </p:spTree>
     <p:extLst>
       <p:ext uri="{BB962C8B-B14F-4D97-AF65-F5344CB8AC3E}">
